--- a/Modesto/H2Oil - Presentation.pptx
+++ b/Modesto/H2Oil - Presentation.pptx
@@ -12,8 +12,8 @@
   </p:handoutMasterIdLst>
   <p:sldIdLst>
     <p:sldId id="257" r:id="rId2"/>
-    <p:sldId id="258" r:id="rId3"/>
-    <p:sldId id="270" r:id="rId4"/>
+    <p:sldId id="270" r:id="rId3"/>
+    <p:sldId id="258" r:id="rId4"/>
     <p:sldId id="259" r:id="rId5"/>
     <p:sldId id="269" r:id="rId6"/>
   </p:sldIdLst>
@@ -149,7 +149,7 @@
           <p:cNvPr id="2" name="Espaço Reservado para Cabeçalho 1">
             <a:extLst>
               <a:ext uri="{FF2B5EF4-FFF2-40B4-BE49-F238E27FC236}">
-                <a16:creationId xmlns="" xmlns:a16="http://schemas.microsoft.com/office/drawing/2014/main" id="{4E8E4EC3-36C1-4454-9CEA-6FE554EAEBB8}"/>
+                <a16:creationId xmlns:a16="http://schemas.microsoft.com/office/drawing/2014/main" id="{4E8E4EC3-36C1-4454-9CEA-6FE554EAEBB8}"/>
               </a:ext>
             </a:extLst>
           </p:cNvPr>
@@ -189,7 +189,7 @@
           <p:cNvPr id="3" name="Espaço Reservado para Data 2">
             <a:extLst>
               <a:ext uri="{FF2B5EF4-FFF2-40B4-BE49-F238E27FC236}">
-                <a16:creationId xmlns="" xmlns:a16="http://schemas.microsoft.com/office/drawing/2014/main" id="{B49AE85F-78B5-428D-8613-DFD3E0A442E7}"/>
+                <a16:creationId xmlns:a16="http://schemas.microsoft.com/office/drawing/2014/main" id="{B49AE85F-78B5-428D-8613-DFD3E0A442E7}"/>
               </a:ext>
             </a:extLst>
           </p:cNvPr>
@@ -219,7 +219,7 @@
           <a:p>
             <a:fld id="{8397B72A-527D-4E20-9618-C91815D31170}" type="datetimeFigureOut">
               <a:rPr lang="pt-PT" smtClean="0"/>
-              <a:t>15/06/2018</a:t>
+              <a:t>17/06/2018</a:t>
             </a:fld>
             <a:endParaRPr lang="pt-PT"/>
           </a:p>
@@ -230,7 +230,7 @@
           <p:cNvPr id="4" name="Espaço Reservado para Rodapé 3">
             <a:extLst>
               <a:ext uri="{FF2B5EF4-FFF2-40B4-BE49-F238E27FC236}">
-                <a16:creationId xmlns="" xmlns:a16="http://schemas.microsoft.com/office/drawing/2014/main" id="{A535BF09-99E7-4F92-9C8F-1C9D438A199C}"/>
+                <a16:creationId xmlns:a16="http://schemas.microsoft.com/office/drawing/2014/main" id="{A535BF09-99E7-4F92-9C8F-1C9D438A199C}"/>
               </a:ext>
             </a:extLst>
           </p:cNvPr>
@@ -270,7 +270,7 @@
           <p:cNvPr id="5" name="Espaço Reservado para Número de Slide 4">
             <a:extLst>
               <a:ext uri="{FF2B5EF4-FFF2-40B4-BE49-F238E27FC236}">
-                <a16:creationId xmlns="" xmlns:a16="http://schemas.microsoft.com/office/drawing/2014/main" id="{FCD79D81-FC90-4250-A17D-77A0C3DD9E83}"/>
+                <a16:creationId xmlns:a16="http://schemas.microsoft.com/office/drawing/2014/main" id="{FCD79D81-FC90-4250-A17D-77A0C3DD9E83}"/>
               </a:ext>
             </a:extLst>
           </p:cNvPr>
@@ -300,7 +300,7 @@
           <a:p>
             <a:fld id="{8EB0B4A0-BE11-4312-8BCF-63AC2682066B}" type="slidenum">
               <a:rPr lang="pt-PT" smtClean="0"/>
-              <a:t>‹#›</a:t>
+              <a:t>‹nº›</a:t>
             </a:fld>
             <a:endParaRPr lang="pt-PT"/>
           </a:p>
@@ -403,7 +403,7 @@
           <a:p>
             <a:fld id="{6294BFB7-1A00-4CDF-80EF-C8189C4BF490}" type="datetimeFigureOut">
               <a:rPr lang="pt-PT" smtClean="0"/>
-              <a:t>15/06/2018</a:t>
+              <a:t>17/06/2018</a:t>
             </a:fld>
             <a:endParaRPr lang="pt-PT"/>
           </a:p>
@@ -565,7 +565,7 @@
           <a:p>
             <a:fld id="{A0A7C7A7-7B37-4B8E-B6F9-54B17E710A35}" type="slidenum">
               <a:rPr lang="pt-PT" smtClean="0"/>
-              <a:t>‹#›</a:t>
+              <a:t>‹nº›</a:t>
             </a:fld>
             <a:endParaRPr lang="pt-PT"/>
           </a:p>
@@ -903,7 +903,7 @@
           <a:p>
             <a:fld id="{6661D567-A873-4328-B87C-F38898F6436E}" type="datetime1">
               <a:rPr lang="pt-PT" smtClean="0"/>
-              <a:t>15/06/2018</a:t>
+              <a:t>17/06/2018</a:t>
             </a:fld>
             <a:endParaRPr lang="pt-PT"/>
           </a:p>
@@ -948,7 +948,7 @@
           <a:p>
             <a:fld id="{0A29BB10-B433-40F1-AAE4-246F5BAEB777}" type="slidenum">
               <a:rPr lang="pt-PT" smtClean="0"/>
-              <a:t>‹#›</a:t>
+              <a:t>‹nº›</a:t>
             </a:fld>
             <a:endParaRPr lang="pt-PT"/>
           </a:p>
@@ -1114,7 +1114,7 @@
           <a:p>
             <a:fld id="{74DE16DA-B095-41D6-8C8E-8EFD5518275F}" type="datetime1">
               <a:rPr lang="pt-PT" smtClean="0"/>
-              <a:t>15/06/2018</a:t>
+              <a:t>17/06/2018</a:t>
             </a:fld>
             <a:endParaRPr lang="pt-PT"/>
           </a:p>
@@ -1159,7 +1159,7 @@
           <a:p>
             <a:fld id="{0A29BB10-B433-40F1-AAE4-246F5BAEB777}" type="slidenum">
               <a:rPr lang="pt-PT" smtClean="0"/>
-              <a:t>‹#›</a:t>
+              <a:t>‹nº›</a:t>
             </a:fld>
             <a:endParaRPr lang="pt-PT"/>
           </a:p>
@@ -1375,7 +1375,7 @@
           <a:p>
             <a:fld id="{D2457DAF-3927-44CE-8096-C23D8CE7E7B8}" type="datetime1">
               <a:rPr lang="pt-PT" smtClean="0"/>
-              <a:t>15/06/2018</a:t>
+              <a:t>17/06/2018</a:t>
             </a:fld>
             <a:endParaRPr lang="pt-PT"/>
           </a:p>
@@ -1420,7 +1420,7 @@
           <a:p>
             <a:fld id="{0A29BB10-B433-40F1-AAE4-246F5BAEB777}" type="slidenum">
               <a:rPr lang="pt-PT" smtClean="0"/>
-              <a:t>‹#›</a:t>
+              <a:t>‹nº›</a:t>
             </a:fld>
             <a:endParaRPr lang="pt-PT"/>
           </a:p>
@@ -1548,7 +1548,7 @@
           <a:p>
             <a:fld id="{1EA575EF-1A24-4DFE-8532-9B63A065BF3F}" type="datetime1">
               <a:rPr lang="pt-PT" smtClean="0"/>
-              <a:t>15/06/2018</a:t>
+              <a:t>17/06/2018</a:t>
             </a:fld>
             <a:endParaRPr lang="pt-PT"/>
           </a:p>
@@ -1593,7 +1593,7 @@
           <a:p>
             <a:fld id="{0A29BB10-B433-40F1-AAE4-246F5BAEB777}" type="slidenum">
               <a:rPr lang="pt-PT" smtClean="0"/>
-              <a:t>‹#›</a:t>
+              <a:t>‹nº›</a:t>
             </a:fld>
             <a:endParaRPr lang="pt-PT"/>
           </a:p>
@@ -1888,7 +1888,7 @@
           <a:p>
             <a:fld id="{4DE2D2B0-9383-4981-965B-C7800A61723D}" type="datetime1">
               <a:rPr lang="pt-PT" smtClean="0"/>
-              <a:t>15/06/2018</a:t>
+              <a:t>17/06/2018</a:t>
             </a:fld>
             <a:endParaRPr lang="pt-PT"/>
           </a:p>
@@ -1933,7 +1933,7 @@
           <a:p>
             <a:fld id="{0A29BB10-B433-40F1-AAE4-246F5BAEB777}" type="slidenum">
               <a:rPr lang="pt-PT" smtClean="0"/>
-              <a:t>‹#›</a:t>
+              <a:t>‹nº›</a:t>
             </a:fld>
             <a:endParaRPr lang="pt-PT"/>
           </a:p>
@@ -2166,7 +2166,7 @@
           <a:p>
             <a:fld id="{758CD247-4FD5-4CC0-B875-E0991500C6E5}" type="datetime1">
               <a:rPr lang="pt-PT" smtClean="0"/>
-              <a:t>15/06/2018</a:t>
+              <a:t>17/06/2018</a:t>
             </a:fld>
             <a:endParaRPr lang="pt-PT"/>
           </a:p>
@@ -2211,7 +2211,7 @@
           <a:p>
             <a:fld id="{0A29BB10-B433-40F1-AAE4-246F5BAEB777}" type="slidenum">
               <a:rPr lang="pt-PT" smtClean="0"/>
-              <a:t>‹#›</a:t>
+              <a:t>‹nº›</a:t>
             </a:fld>
             <a:endParaRPr lang="pt-PT"/>
           </a:p>
@@ -2548,7 +2548,7 @@
           <a:p>
             <a:fld id="{B54D388B-30F6-4788-B197-C5F8AEED4797}" type="datetime1">
               <a:rPr lang="pt-PT" smtClean="0"/>
-              <a:t>15/06/2018</a:t>
+              <a:t>17/06/2018</a:t>
             </a:fld>
             <a:endParaRPr lang="pt-PT"/>
           </a:p>
@@ -2593,7 +2593,7 @@
           <a:p>
             <a:fld id="{0A29BB10-B433-40F1-AAE4-246F5BAEB777}" type="slidenum">
               <a:rPr lang="pt-PT" smtClean="0"/>
-              <a:t>‹#›</a:t>
+              <a:t>‹nº›</a:t>
             </a:fld>
             <a:endParaRPr lang="pt-PT"/>
           </a:p>
@@ -2669,7 +2669,7 @@
           <a:p>
             <a:fld id="{8EF9DF68-1A13-406C-80A7-6E806D41A666}" type="datetime1">
               <a:rPr lang="pt-PT" smtClean="0"/>
-              <a:t>15/06/2018</a:t>
+              <a:t>17/06/2018</a:t>
             </a:fld>
             <a:endParaRPr lang="pt-PT"/>
           </a:p>
@@ -2714,7 +2714,7 @@
           <a:p>
             <a:fld id="{0A29BB10-B433-40F1-AAE4-246F5BAEB777}" type="slidenum">
               <a:rPr lang="pt-PT" smtClean="0"/>
-              <a:t>‹#›</a:t>
+              <a:t>‹nº›</a:t>
             </a:fld>
             <a:endParaRPr lang="pt-PT"/>
           </a:p>
@@ -2845,7 +2845,7 @@
           <a:p>
             <a:fld id="{E2D6F4A4-B110-45D9-B602-75DB57D6F1EE}" type="datetime1">
               <a:rPr lang="pt-PT" smtClean="0"/>
-              <a:t>15/06/2018</a:t>
+              <a:t>17/06/2018</a:t>
             </a:fld>
             <a:endParaRPr lang="pt-PT"/>
           </a:p>
@@ -2898,7 +2898,7 @@
           <a:p>
             <a:fld id="{0A29BB10-B433-40F1-AAE4-246F5BAEB777}" type="slidenum">
               <a:rPr lang="pt-PT" smtClean="0"/>
-              <a:t>‹#›</a:t>
+              <a:t>‹nº›</a:t>
             </a:fld>
             <a:endParaRPr lang="pt-PT"/>
           </a:p>
@@ -3204,7 +3204,7 @@
           <a:p>
             <a:fld id="{340C6174-F792-4F97-9A92-7412FE5E464B}" type="datetime1">
               <a:rPr lang="pt-PT" smtClean="0"/>
-              <a:t>15/06/2018</a:t>
+              <a:t>17/06/2018</a:t>
             </a:fld>
             <a:endParaRPr lang="pt-PT"/>
           </a:p>
@@ -3270,7 +3270,7 @@
           <a:p>
             <a:fld id="{0A29BB10-B433-40F1-AAE4-246F5BAEB777}" type="slidenum">
               <a:rPr lang="pt-PT" smtClean="0"/>
-              <a:t>‹#›</a:t>
+              <a:t>‹nº›</a:t>
             </a:fld>
             <a:endParaRPr lang="pt-PT"/>
           </a:p>
@@ -3586,7 +3586,7 @@
           <a:p>
             <a:fld id="{09810E49-70BF-4269-90A7-3ACBD939C07D}" type="datetime1">
               <a:rPr lang="pt-PT" smtClean="0"/>
-              <a:t>15/06/2018</a:t>
+              <a:t>17/06/2018</a:t>
             </a:fld>
             <a:endParaRPr lang="pt-PT"/>
           </a:p>
@@ -3631,7 +3631,7 @@
           <a:p>
             <a:fld id="{0A29BB10-B433-40F1-AAE4-246F5BAEB777}" type="slidenum">
               <a:rPr lang="pt-PT" smtClean="0"/>
-              <a:t>‹#›</a:t>
+              <a:t>‹nº›</a:t>
             </a:fld>
             <a:endParaRPr lang="pt-PT"/>
           </a:p>
@@ -3883,7 +3883,7 @@
           <a:p>
             <a:fld id="{CC2FC01C-6812-4798-96F8-303E11328E95}" type="datetime1">
               <a:rPr lang="pt-PT" smtClean="0"/>
-              <a:t>15/06/2018</a:t>
+              <a:t>17/06/2018</a:t>
             </a:fld>
             <a:endParaRPr lang="pt-PT"/>
           </a:p>
@@ -3960,7 +3960,7 @@
           <a:p>
             <a:fld id="{0A29BB10-B433-40F1-AAE4-246F5BAEB777}" type="slidenum">
               <a:rPr lang="pt-PT" smtClean="0"/>
-              <a:t>‹#›</a:t>
+              <a:t>‹nº›</a:t>
             </a:fld>
             <a:endParaRPr lang="pt-PT"/>
           </a:p>
@@ -4416,7 +4416,7 @@
           <p:cNvPr id="5" name="Título 4">
             <a:extLst>
               <a:ext uri="{FF2B5EF4-FFF2-40B4-BE49-F238E27FC236}">
-                <a16:creationId xmlns="" xmlns:a16="http://schemas.microsoft.com/office/drawing/2014/main" id="{E05BE524-FFD9-47F5-B6AE-87B3E333EF6E}"/>
+                <a16:creationId xmlns:a16="http://schemas.microsoft.com/office/drawing/2014/main" id="{E05BE524-FFD9-47F5-B6AE-87B3E333EF6E}"/>
               </a:ext>
             </a:extLst>
           </p:cNvPr>
@@ -4441,18 +4441,17 @@
           <a:p>
             <a:pPr algn="ctr"/>
             <a:r>
-              <a:rPr lang="pt-PT" dirty="0" smtClean="0"/>
+              <a:rPr lang="pt-PT" dirty="0"/>
               <a:t>H</a:t>
             </a:r>
             <a:r>
-              <a:rPr lang="pt-PT" sz="4400" b="1" dirty="0" smtClean="0"/>
+              <a:rPr lang="pt-PT" sz="4400" b="1" dirty="0"/>
               <a:t>2</a:t>
             </a:r>
             <a:r>
-              <a:rPr lang="pt-PT" dirty="0" smtClean="0"/>
+              <a:rPr lang="pt-PT" dirty="0"/>
               <a:t>Oil</a:t>
             </a:r>
-            <a:endParaRPr lang="pt-PT" dirty="0"/>
           </a:p>
         </p:txBody>
       </p:sp>
@@ -4461,7 +4460,7 @@
           <p:cNvPr id="7" name="Espaço Reservado para Rodapé 6">
             <a:extLst>
               <a:ext uri="{FF2B5EF4-FFF2-40B4-BE49-F238E27FC236}">
-                <a16:creationId xmlns="" xmlns:a16="http://schemas.microsoft.com/office/drawing/2014/main" id="{B1386C65-B746-4426-ADE4-3C82EDA620D0}"/>
+                <a16:creationId xmlns:a16="http://schemas.microsoft.com/office/drawing/2014/main" id="{B1386C65-B746-4426-ADE4-3C82EDA620D0}"/>
               </a:ext>
             </a:extLst>
           </p:cNvPr>
@@ -4489,7 +4488,7 @@
           <p:cNvPr id="8" name="Espaço Reservado para Número de Slide 7">
             <a:extLst>
               <a:ext uri="{FF2B5EF4-FFF2-40B4-BE49-F238E27FC236}">
-                <a16:creationId xmlns="" xmlns:a16="http://schemas.microsoft.com/office/drawing/2014/main" id="{CA92E790-31E2-43C2-85A7-5CA0A9970C0D}"/>
+                <a16:creationId xmlns:a16="http://schemas.microsoft.com/office/drawing/2014/main" id="{CA92E790-31E2-43C2-85A7-5CA0A9970C0D}"/>
               </a:ext>
             </a:extLst>
           </p:cNvPr>
@@ -4545,10 +4544,204 @@
       </p:grpSpPr>
       <p:sp>
         <p:nvSpPr>
+          <p:cNvPr id="2" name="Title 1"/>
+          <p:cNvSpPr>
+            <a:spLocks noGrp="1"/>
+          </p:cNvSpPr>
+          <p:nvPr>
+            <p:ph type="title"/>
+          </p:nvPr>
+        </p:nvSpPr>
+        <p:spPr/>
+        <p:txBody>
+          <a:bodyPr/>
+          <a:lstStyle/>
+          <a:p>
+            <a:pPr algn="ctr"/>
+            <a:r>
+              <a:rPr lang="pt-PT" dirty="0"/>
+              <a:t>What is an Oil Spill?</a:t>
+            </a:r>
+          </a:p>
+        </p:txBody>
+      </p:sp>
+      <p:sp>
+        <p:nvSpPr>
+          <p:cNvPr id="3" name="Content Placeholder 2"/>
+          <p:cNvSpPr>
+            <a:spLocks noGrp="1"/>
+          </p:cNvSpPr>
+          <p:nvPr>
+            <p:ph idx="1"/>
+          </p:nvPr>
+        </p:nvSpPr>
+        <p:spPr>
+          <a:xfrm>
+            <a:off x="1066800" y="1763405"/>
+            <a:ext cx="10058400" cy="4023360"/>
+          </a:xfrm>
+        </p:spPr>
+        <p:txBody>
+          <a:bodyPr anchor="ctr"/>
+          <a:lstStyle/>
+          <a:p>
+            <a:pPr>
+              <a:lnSpc>
+                <a:spcPct val="200000"/>
+              </a:lnSpc>
+              <a:buFont typeface="Arial" panose="020B0604020202020204" pitchFamily="34" charset="0"/>
+              <a:buChar char="•"/>
+            </a:pPr>
+            <a:r>
+              <a:rPr lang="pt-PT" sz="3200" dirty="0"/>
+              <a:t> </a:t>
+            </a:r>
+            <a:r>
+              <a:rPr lang="en-US" sz="3200" dirty="0"/>
+              <a:t>Escape of oil into a body of water;</a:t>
+            </a:r>
+            <a:endParaRPr lang="pt-PT" sz="3200" dirty="0"/>
+          </a:p>
+          <a:p>
+            <a:pPr>
+              <a:lnSpc>
+                <a:spcPct val="200000"/>
+              </a:lnSpc>
+              <a:buFont typeface="Arial" panose="020B0604020202020204" pitchFamily="34" charset="0"/>
+              <a:buChar char="•"/>
+            </a:pPr>
+            <a:r>
+              <a:rPr lang="en-US" sz="3200" dirty="0"/>
+              <a:t> Causes can be natural or not;</a:t>
+            </a:r>
+          </a:p>
+          <a:p>
+            <a:pPr>
+              <a:lnSpc>
+                <a:spcPct val="200000"/>
+              </a:lnSpc>
+              <a:buFont typeface="Arial" panose="020B0604020202020204" pitchFamily="34" charset="0"/>
+              <a:buChar char="•"/>
+            </a:pPr>
+            <a:r>
+              <a:rPr lang="en-US" sz="3200" dirty="0"/>
+              <a:t> Severe Consequences.</a:t>
+            </a:r>
+            <a:endParaRPr lang="pt-PT" sz="3200" dirty="0"/>
+          </a:p>
+        </p:txBody>
+      </p:sp>
+      <p:sp>
+        <p:nvSpPr>
+          <p:cNvPr id="4" name="Footer Placeholder 3"/>
+          <p:cNvSpPr>
+            <a:spLocks noGrp="1"/>
+          </p:cNvSpPr>
+          <p:nvPr>
+            <p:ph type="ftr" sz="quarter" idx="11"/>
+          </p:nvPr>
+        </p:nvSpPr>
+        <p:spPr/>
+        <p:txBody>
+          <a:bodyPr/>
+          <a:lstStyle/>
+          <a:p>
+            <a:r>
+              <a:rPr lang="pt-PT"/>
+              <a:t>Francisco Modesto &amp; João Monteiro</a:t>
+            </a:r>
+          </a:p>
+        </p:txBody>
+      </p:sp>
+      <p:sp>
+        <p:nvSpPr>
+          <p:cNvPr id="5" name="Slide Number Placeholder 4"/>
+          <p:cNvSpPr>
+            <a:spLocks noGrp="1"/>
+          </p:cNvSpPr>
+          <p:nvPr>
+            <p:ph type="sldNum" sz="quarter" idx="12"/>
+          </p:nvPr>
+        </p:nvSpPr>
+        <p:spPr/>
+        <p:txBody>
+          <a:bodyPr/>
+          <a:lstStyle/>
+          <a:p>
+            <a:fld id="{0A29BB10-B433-40F1-AAE4-246F5BAEB777}" type="slidenum">
+              <a:rPr lang="pt-PT" smtClean="0"/>
+              <a:t>2</a:t>
+            </a:fld>
+            <a:endParaRPr lang="pt-PT"/>
+          </a:p>
+        </p:txBody>
+      </p:sp>
+      <p:pic>
+        <p:nvPicPr>
+          <p:cNvPr id="6" name="Picture 5"/>
+          <p:cNvPicPr>
+            <a:picLocks noChangeAspect="1"/>
+          </p:cNvPicPr>
+          <p:nvPr/>
+        </p:nvPicPr>
+        <p:blipFill>
+          <a:blip r:embed="rId2" cstate="print">
+            <a:extLst>
+              <a:ext uri="{28A0092B-C50C-407E-A947-70E740481C1C}">
+                <a14:useLocalDpi xmlns:a14="http://schemas.microsoft.com/office/drawing/2010/main" val="0"/>
+              </a:ext>
+            </a:extLst>
+          </a:blip>
+          <a:stretch>
+            <a:fillRect/>
+          </a:stretch>
+        </p:blipFill>
+        <p:spPr>
+          <a:xfrm>
+            <a:off x="7447916" y="2576256"/>
+            <a:ext cx="4003717" cy="2667477"/>
+          </a:xfrm>
+          <a:prstGeom prst="rect">
+            <a:avLst/>
+          </a:prstGeom>
+        </p:spPr>
+      </p:pic>
+    </p:spTree>
+    <p:extLst>
+      <p:ext uri="{BB962C8B-B14F-4D97-AF65-F5344CB8AC3E}">
+        <p14:creationId xmlns:p14="http://schemas.microsoft.com/office/powerpoint/2010/main" val="816250906"/>
+      </p:ext>
+    </p:extLst>
+  </p:cSld>
+  <p:clrMapOvr>
+    <a:masterClrMapping/>
+  </p:clrMapOvr>
+</p:sld>
+</file>
+
+<file path=ppt/slides/slide3.xml><?xml version="1.0" encoding="utf-8"?>
+<p:sld xmlns:a="http://schemas.openxmlformats.org/drawingml/2006/main" xmlns:r="http://schemas.openxmlformats.org/officeDocument/2006/relationships" xmlns:p="http://schemas.openxmlformats.org/presentationml/2006/main">
+  <p:cSld>
+    <p:spTree>
+      <p:nvGrpSpPr>
+        <p:cNvPr id="1" name=""/>
+        <p:cNvGrpSpPr/>
+        <p:nvPr/>
+      </p:nvGrpSpPr>
+      <p:grpSpPr>
+        <a:xfrm>
+          <a:off x="0" y="0"/>
+          <a:ext cx="0" cy="0"/>
+          <a:chOff x="0" y="0"/>
+          <a:chExt cx="0" cy="0"/>
+        </a:xfrm>
+      </p:grpSpPr>
+      <p:sp>
+        <p:nvSpPr>
           <p:cNvPr id="2" name="Título 1">
             <a:extLst>
               <a:ext uri="{FF2B5EF4-FFF2-40B4-BE49-F238E27FC236}">
-                <a16:creationId xmlns="" xmlns:a16="http://schemas.microsoft.com/office/drawing/2014/main" id="{3608A3C9-77F8-4B82-A9C9-64A7A2D6878C}"/>
+                <a16:creationId xmlns:a16="http://schemas.microsoft.com/office/drawing/2014/main" id="{3608A3C9-77F8-4B82-A9C9-64A7A2D6878C}"/>
               </a:ext>
             </a:extLst>
           </p:cNvPr>
@@ -4567,13 +4760,8 @@
             <a:pPr algn="ctr"/>
             <a:r>
               <a:rPr lang="pt-PT" dirty="0"/>
-              <a:t>What is </a:t>
-            </a:r>
-            <a:r>
-              <a:rPr lang="pt-PT" dirty="0" smtClean="0"/>
-              <a:t>H2Oil?</a:t>
-            </a:r>
-            <a:endParaRPr lang="pt-PT" dirty="0"/>
+              <a:t>What is H2Oil?</a:t>
+            </a:r>
           </a:p>
         </p:txBody>
       </p:sp>
@@ -4582,7 +4770,7 @@
           <p:cNvPr id="3" name="Espaço Reservado para Conteúdo 2">
             <a:extLst>
               <a:ext uri="{FF2B5EF4-FFF2-40B4-BE49-F238E27FC236}">
-                <a16:creationId xmlns="" xmlns:a16="http://schemas.microsoft.com/office/drawing/2014/main" id="{335A1CB0-CF71-4E63-B076-B702B7DB705B}"/>
+                <a16:creationId xmlns:a16="http://schemas.microsoft.com/office/drawing/2014/main" id="{335A1CB0-CF71-4E63-B076-B702B7DB705B}"/>
               </a:ext>
             </a:extLst>
           </p:cNvPr>
@@ -4595,7 +4783,7 @@
         </p:nvSpPr>
         <p:spPr>
           <a:xfrm>
-            <a:off x="1097280" y="1979223"/>
+            <a:off x="1154083" y="1097281"/>
             <a:ext cx="10058400" cy="4023360"/>
           </a:xfrm>
         </p:spPr>
@@ -4611,48 +4799,32 @@
               </a:lnSpc>
               <a:buNone/>
             </a:pPr>
-            <a:r>
-              <a:rPr lang="pt-PT" sz="3600" dirty="0"/>
-              <a:t> </a:t>
-            </a:r>
-            <a:endParaRPr lang="pt-PT" sz="3600" dirty="0" smtClean="0"/>
+            <a:endParaRPr lang="pt-PT" sz="3600" dirty="0"/>
           </a:p>
           <a:p>
             <a:pPr>
               <a:lnSpc>
-                <a:spcPct val="150000"/>
+                <a:spcPct val="250000"/>
               </a:lnSpc>
               <a:buFont typeface="Arial" panose="020B0604020202020204" pitchFamily="34" charset="0"/>
               <a:buChar char="•"/>
             </a:pPr>
             <a:r>
-              <a:rPr lang="pt-PT" sz="3600" dirty="0" smtClean="0"/>
-              <a:t> Online </a:t>
-            </a:r>
-            <a:r>
               <a:rPr lang="pt-PT" sz="3600" dirty="0"/>
-              <a:t>Community;</a:t>
+              <a:t> Online Community;</a:t>
             </a:r>
           </a:p>
           <a:p>
             <a:pPr>
               <a:lnSpc>
-                <a:spcPct val="150000"/>
+                <a:spcPct val="250000"/>
               </a:lnSpc>
               <a:buFont typeface="Arial" panose="020B0604020202020204" pitchFamily="34" charset="0"/>
               <a:buChar char="•"/>
             </a:pPr>
             <a:r>
               <a:rPr lang="pt-PT" sz="3600" dirty="0"/>
-              <a:t> Oil Spills and Black </a:t>
-            </a:r>
-            <a:r>
-              <a:rPr lang="pt-PT" sz="3600" dirty="0" smtClean="0"/>
-              <a:t>Tides</a:t>
-            </a:r>
-            <a:r>
-              <a:rPr lang="pt-PT" sz="3600" dirty="0"/>
-              <a:t>;</a:t>
+              <a:t> Oil Spills and Black Tides;</a:t>
             </a:r>
           </a:p>
         </p:txBody>
@@ -4662,7 +4834,7 @@
           <p:cNvPr id="4" name="Espaço Reservado para Rodapé 3">
             <a:extLst>
               <a:ext uri="{FF2B5EF4-FFF2-40B4-BE49-F238E27FC236}">
-                <a16:creationId xmlns="" xmlns:a16="http://schemas.microsoft.com/office/drawing/2014/main" id="{957BA3DB-ADB7-4EB0-BA4D-B919937A0681}"/>
+                <a16:creationId xmlns:a16="http://schemas.microsoft.com/office/drawing/2014/main" id="{957BA3DB-ADB7-4EB0-BA4D-B919937A0681}"/>
               </a:ext>
             </a:extLst>
           </p:cNvPr>
@@ -4690,7 +4862,7 @@
           <p:cNvPr id="5" name="Espaço Reservado para Número de Slide 4">
             <a:extLst>
               <a:ext uri="{FF2B5EF4-FFF2-40B4-BE49-F238E27FC236}">
-                <a16:creationId xmlns="" xmlns:a16="http://schemas.microsoft.com/office/drawing/2014/main" id="{2640E7E9-F8B1-4D9D-A565-A5888E9E81AD}"/>
+                <a16:creationId xmlns:a16="http://schemas.microsoft.com/office/drawing/2014/main" id="{2640E7E9-F8B1-4D9D-A565-A5888E9E81AD}"/>
               </a:ext>
             </a:extLst>
           </p:cNvPr>
@@ -4708,7 +4880,7 @@
           <a:p>
             <a:fld id="{0A29BB10-B433-40F1-AAE4-246F5BAEB777}" type="slidenum">
               <a:rPr lang="pt-PT" smtClean="0"/>
-              <a:t>2</a:t>
+              <a:t>3</a:t>
             </a:fld>
             <a:endParaRPr lang="pt-PT"/>
           </a:p>
@@ -4757,200 +4929,6 @@
 </p:sld>
 </file>
 
-<file path=ppt/slides/slide3.xml><?xml version="1.0" encoding="utf-8"?>
-<p:sld xmlns:a="http://schemas.openxmlformats.org/drawingml/2006/main" xmlns:r="http://schemas.openxmlformats.org/officeDocument/2006/relationships" xmlns:p="http://schemas.openxmlformats.org/presentationml/2006/main">
-  <p:cSld>
-    <p:spTree>
-      <p:nvGrpSpPr>
-        <p:cNvPr id="1" name=""/>
-        <p:cNvGrpSpPr/>
-        <p:nvPr/>
-      </p:nvGrpSpPr>
-      <p:grpSpPr>
-        <a:xfrm>
-          <a:off x="0" y="0"/>
-          <a:ext cx="0" cy="0"/>
-          <a:chOff x="0" y="0"/>
-          <a:chExt cx="0" cy="0"/>
-        </a:xfrm>
-      </p:grpSpPr>
-      <p:sp>
-        <p:nvSpPr>
-          <p:cNvPr id="2" name="Title 1"/>
-          <p:cNvSpPr>
-            <a:spLocks noGrp="1"/>
-          </p:cNvSpPr>
-          <p:nvPr>
-            <p:ph type="title"/>
-          </p:nvPr>
-        </p:nvSpPr>
-        <p:spPr/>
-        <p:txBody>
-          <a:bodyPr/>
-          <a:lstStyle/>
-          <a:p>
-            <a:pPr algn="ctr"/>
-            <a:r>
-              <a:rPr lang="pt-PT" dirty="0" smtClean="0"/>
-              <a:t>What is an Oil Spill?</a:t>
-            </a:r>
-            <a:endParaRPr lang="pt-PT" dirty="0"/>
-          </a:p>
-        </p:txBody>
-      </p:sp>
-      <p:sp>
-        <p:nvSpPr>
-          <p:cNvPr id="3" name="Content Placeholder 2"/>
-          <p:cNvSpPr>
-            <a:spLocks noGrp="1"/>
-          </p:cNvSpPr>
-          <p:nvPr>
-            <p:ph idx="1"/>
-          </p:nvPr>
-        </p:nvSpPr>
-        <p:spPr/>
-        <p:txBody>
-          <a:bodyPr anchor="ctr"/>
-          <a:lstStyle/>
-          <a:p>
-            <a:pPr>
-              <a:buFont typeface="Arial" panose="020B0604020202020204" pitchFamily="34" charset="0"/>
-              <a:buChar char="•"/>
-            </a:pPr>
-            <a:r>
-              <a:rPr lang="pt-PT" sz="3200" dirty="0" smtClean="0"/>
-              <a:t> </a:t>
-            </a:r>
-            <a:r>
-              <a:rPr lang="en-US" sz="3200" dirty="0"/>
-              <a:t>Escape of oil into </a:t>
-            </a:r>
-            <a:r>
-              <a:rPr lang="en-US" sz="3200" dirty="0" smtClean="0"/>
-              <a:t>a body </a:t>
-            </a:r>
-            <a:r>
-              <a:rPr lang="en-US" sz="3200" dirty="0"/>
-              <a:t>of water</a:t>
-            </a:r>
-            <a:r>
-              <a:rPr lang="en-US" sz="3200" dirty="0" smtClean="0"/>
-              <a:t>;</a:t>
-            </a:r>
-            <a:endParaRPr lang="pt-PT" sz="3200" dirty="0" smtClean="0"/>
-          </a:p>
-          <a:p>
-            <a:pPr>
-              <a:buFont typeface="Arial" panose="020B0604020202020204" pitchFamily="34" charset="0"/>
-              <a:buChar char="•"/>
-            </a:pPr>
-            <a:r>
-              <a:rPr lang="en-US" sz="3200" dirty="0" smtClean="0"/>
-              <a:t> Causes can be natural or not;</a:t>
-            </a:r>
-          </a:p>
-          <a:p>
-            <a:pPr>
-              <a:buFont typeface="Arial" panose="020B0604020202020204" pitchFamily="34" charset="0"/>
-              <a:buChar char="•"/>
-            </a:pPr>
-            <a:r>
-              <a:rPr lang="en-US" sz="3200" dirty="0" smtClean="0"/>
-              <a:t> Severe Consequences.</a:t>
-            </a:r>
-            <a:endParaRPr lang="pt-PT" sz="3200" dirty="0"/>
-          </a:p>
-        </p:txBody>
-      </p:sp>
-      <p:sp>
-        <p:nvSpPr>
-          <p:cNvPr id="4" name="Footer Placeholder 3"/>
-          <p:cNvSpPr>
-            <a:spLocks noGrp="1"/>
-          </p:cNvSpPr>
-          <p:nvPr>
-            <p:ph type="ftr" sz="quarter" idx="11"/>
-          </p:nvPr>
-        </p:nvSpPr>
-        <p:spPr/>
-        <p:txBody>
-          <a:bodyPr/>
-          <a:lstStyle/>
-          <a:p>
-            <a:r>
-              <a:rPr lang="pt-PT" smtClean="0"/>
-              <a:t>Francisco Modesto &amp; João Monteiro</a:t>
-            </a:r>
-            <a:endParaRPr lang="pt-PT"/>
-          </a:p>
-        </p:txBody>
-      </p:sp>
-      <p:sp>
-        <p:nvSpPr>
-          <p:cNvPr id="5" name="Slide Number Placeholder 4"/>
-          <p:cNvSpPr>
-            <a:spLocks noGrp="1"/>
-          </p:cNvSpPr>
-          <p:nvPr>
-            <p:ph type="sldNum" sz="quarter" idx="12"/>
-          </p:nvPr>
-        </p:nvSpPr>
-        <p:spPr/>
-        <p:txBody>
-          <a:bodyPr/>
-          <a:lstStyle/>
-          <a:p>
-            <a:fld id="{0A29BB10-B433-40F1-AAE4-246F5BAEB777}" type="slidenum">
-              <a:rPr lang="pt-PT" smtClean="0"/>
-              <a:t>3</a:t>
-            </a:fld>
-            <a:endParaRPr lang="pt-PT"/>
-          </a:p>
-        </p:txBody>
-      </p:sp>
-      <p:pic>
-        <p:nvPicPr>
-          <p:cNvPr id="6" name="Picture 5"/>
-          <p:cNvPicPr>
-            <a:picLocks noChangeAspect="1"/>
-          </p:cNvPicPr>
-          <p:nvPr/>
-        </p:nvPicPr>
-        <p:blipFill>
-          <a:blip r:embed="rId2" cstate="print">
-            <a:extLst>
-              <a:ext uri="{28A0092B-C50C-407E-A947-70E740481C1C}">
-                <a14:useLocalDpi xmlns:a14="http://schemas.microsoft.com/office/drawing/2010/main" val="0"/>
-              </a:ext>
-            </a:extLst>
-          </a:blip>
-          <a:stretch>
-            <a:fillRect/>
-          </a:stretch>
-        </p:blipFill>
-        <p:spPr>
-          <a:xfrm>
-            <a:off x="6940296" y="2453164"/>
-            <a:ext cx="4215384" cy="2808500"/>
-          </a:xfrm>
-          <a:prstGeom prst="rect">
-            <a:avLst/>
-          </a:prstGeom>
-        </p:spPr>
-      </p:pic>
-    </p:spTree>
-    <p:extLst>
-      <p:ext uri="{BB962C8B-B14F-4D97-AF65-F5344CB8AC3E}">
-        <p14:creationId xmlns:p14="http://schemas.microsoft.com/office/powerpoint/2010/main" val="816250906"/>
-      </p:ext>
-    </p:extLst>
-  </p:cSld>
-  <p:clrMapOvr>
-    <a:masterClrMapping/>
-  </p:clrMapOvr>
-</p:sld>
-</file>
-
 <file path=ppt/slides/slide4.xml><?xml version="1.0" encoding="utf-8"?>
 <p:sld xmlns:a="http://schemas.openxmlformats.org/drawingml/2006/main" xmlns:r="http://schemas.openxmlformats.org/officeDocument/2006/relationships" xmlns:p="http://schemas.openxmlformats.org/presentationml/2006/main">
   <p:cSld>
@@ -4973,7 +4951,7 @@
           <p:cNvPr id="2" name="Título 1">
             <a:extLst>
               <a:ext uri="{FF2B5EF4-FFF2-40B4-BE49-F238E27FC236}">
-                <a16:creationId xmlns="" xmlns:a16="http://schemas.microsoft.com/office/drawing/2014/main" id="{D2A259BD-60CA-44AA-8698-36F234B7DD00}"/>
+                <a16:creationId xmlns:a16="http://schemas.microsoft.com/office/drawing/2014/main" id="{D2A259BD-60CA-44AA-8698-36F234B7DD00}"/>
               </a:ext>
             </a:extLst>
           </p:cNvPr>
@@ -5002,7 +4980,7 @@
           <p:cNvPr id="3" name="Espaço Reservado para Conteúdo 2">
             <a:extLst>
               <a:ext uri="{FF2B5EF4-FFF2-40B4-BE49-F238E27FC236}">
-                <a16:creationId xmlns="" xmlns:a16="http://schemas.microsoft.com/office/drawing/2014/main" id="{4D6FF756-37FD-4B9D-8115-77EB0D656E82}"/>
+                <a16:creationId xmlns:a16="http://schemas.microsoft.com/office/drawing/2014/main" id="{4D6FF756-37FD-4B9D-8115-77EB0D656E82}"/>
               </a:ext>
             </a:extLst>
           </p:cNvPr>
@@ -5029,11 +5007,7 @@
             </a:pPr>
             <a:r>
               <a:rPr lang="pt-PT" sz="3600" dirty="0"/>
-              <a:t> </a:t>
-            </a:r>
-            <a:r>
-              <a:rPr lang="pt-PT" sz="3600" dirty="0" smtClean="0"/>
-              <a:t>Register and Login;</a:t>
+              <a:t> Register and Login;</a:t>
             </a:r>
           </a:p>
           <a:p>
@@ -5045,10 +5019,9 @@
               <a:buChar char="•"/>
             </a:pPr>
             <a:r>
-              <a:rPr lang="pt-PT" sz="3600" dirty="0" smtClean="0"/>
-              <a:t>Profile;</a:t>
-            </a:r>
-            <a:endParaRPr lang="pt-PT" sz="3600" dirty="0" smtClean="0"/>
+              <a:rPr lang="pt-PT" sz="3600" dirty="0"/>
+              <a:t> Profile;</a:t>
+            </a:r>
           </a:p>
           <a:p>
             <a:pPr>
@@ -5059,10 +5032,9 @@
               <a:buChar char="•"/>
             </a:pPr>
             <a:r>
-              <a:rPr lang="pt-PT" sz="3600" dirty="0" smtClean="0"/>
-              <a:t>Forum;</a:t>
-            </a:r>
-            <a:endParaRPr lang="pt-PT" sz="3600" dirty="0"/>
+              <a:rPr lang="pt-PT" sz="3600" dirty="0"/>
+              <a:t> Forum;</a:t>
+            </a:r>
           </a:p>
           <a:p>
             <a:pPr>
@@ -5073,14 +5045,9 @@
               <a:buChar char="•"/>
             </a:pPr>
             <a:r>
-              <a:rPr lang="pt-PT" sz="3600" dirty="0" smtClean="0"/>
-              <a:t> </a:t>
-            </a:r>
-            <a:r>
-              <a:rPr lang="pt-PT" sz="3600" dirty="0" smtClean="0"/>
-              <a:t>News Feed;</a:t>
-            </a:r>
-            <a:endParaRPr lang="pt-PT" sz="3600" dirty="0" smtClean="0"/>
+              <a:rPr lang="pt-PT" sz="3600" dirty="0"/>
+              <a:t> News Feed;</a:t>
+            </a:r>
           </a:p>
           <a:p>
             <a:pPr>
@@ -5091,14 +5058,9 @@
               <a:buChar char="•"/>
             </a:pPr>
             <a:r>
-              <a:rPr lang="pt-PT" sz="3600" dirty="0" smtClean="0"/>
-              <a:t> </a:t>
-            </a:r>
-            <a:r>
-              <a:rPr lang="pt-PT" sz="3600" dirty="0" smtClean="0"/>
-              <a:t>Vounteering;</a:t>
-            </a:r>
-            <a:endParaRPr lang="pt-PT" sz="3600" dirty="0" smtClean="0"/>
+              <a:rPr lang="pt-PT" sz="3600" dirty="0"/>
+              <a:t> Vounteering;</a:t>
+            </a:r>
           </a:p>
         </p:txBody>
       </p:sp>
@@ -5107,7 +5069,7 @@
           <p:cNvPr id="4" name="Espaço Reservado para Rodapé 3">
             <a:extLst>
               <a:ext uri="{FF2B5EF4-FFF2-40B4-BE49-F238E27FC236}">
-                <a16:creationId xmlns="" xmlns:a16="http://schemas.microsoft.com/office/drawing/2014/main" id="{56573074-2138-4A76-A27F-27EF9FE3974A}"/>
+                <a16:creationId xmlns:a16="http://schemas.microsoft.com/office/drawing/2014/main" id="{56573074-2138-4A76-A27F-27EF9FE3974A}"/>
               </a:ext>
             </a:extLst>
           </p:cNvPr>
@@ -5135,7 +5097,7 @@
           <p:cNvPr id="5" name="Espaço Reservado para Número de Slide 4">
             <a:extLst>
               <a:ext uri="{FF2B5EF4-FFF2-40B4-BE49-F238E27FC236}">
-                <a16:creationId xmlns="" xmlns:a16="http://schemas.microsoft.com/office/drawing/2014/main" id="{61666724-7320-4902-BA98-39552A699C77}"/>
+                <a16:creationId xmlns:a16="http://schemas.microsoft.com/office/drawing/2014/main" id="{61666724-7320-4902-BA98-39552A699C77}"/>
               </a:ext>
             </a:extLst>
           </p:cNvPr>
@@ -5164,7 +5126,7 @@
           <p:cNvPr id="15" name="Imagem 14">
             <a:extLst>
               <a:ext uri="{FF2B5EF4-FFF2-40B4-BE49-F238E27FC236}">
-                <a16:creationId xmlns="" xmlns:a16="http://schemas.microsoft.com/office/drawing/2014/main" id="{14C0AF99-581D-4B73-B901-E2AC74937202}"/>
+                <a16:creationId xmlns:a16="http://schemas.microsoft.com/office/drawing/2014/main" id="{14C0AF99-581D-4B73-B901-E2AC74937202}"/>
               </a:ext>
             </a:extLst>
           </p:cNvPr>
@@ -5224,7 +5186,7 @@
           <p:cNvPr id="2" name="Título 1">
             <a:extLst>
               <a:ext uri="{FF2B5EF4-FFF2-40B4-BE49-F238E27FC236}">
-                <a16:creationId xmlns="" xmlns:a16="http://schemas.microsoft.com/office/drawing/2014/main" id="{D2A259BD-60CA-44AA-8698-36F234B7DD00}"/>
+                <a16:creationId xmlns:a16="http://schemas.microsoft.com/office/drawing/2014/main" id="{D2A259BD-60CA-44AA-8698-36F234B7DD00}"/>
               </a:ext>
             </a:extLst>
           </p:cNvPr>
@@ -5253,7 +5215,7 @@
           <p:cNvPr id="4" name="Espaço Reservado para Rodapé 3">
             <a:extLst>
               <a:ext uri="{FF2B5EF4-FFF2-40B4-BE49-F238E27FC236}">
-                <a16:creationId xmlns="" xmlns:a16="http://schemas.microsoft.com/office/drawing/2014/main" id="{56573074-2138-4A76-A27F-27EF9FE3974A}"/>
+                <a16:creationId xmlns:a16="http://schemas.microsoft.com/office/drawing/2014/main" id="{56573074-2138-4A76-A27F-27EF9FE3974A}"/>
               </a:ext>
             </a:extLst>
           </p:cNvPr>
@@ -5281,7 +5243,7 @@
           <p:cNvPr id="5" name="Espaço Reservado para Número de Slide 4">
             <a:extLst>
               <a:ext uri="{FF2B5EF4-FFF2-40B4-BE49-F238E27FC236}">
-                <a16:creationId xmlns="" xmlns:a16="http://schemas.microsoft.com/office/drawing/2014/main" id="{61666724-7320-4902-BA98-39552A699C77}"/>
+                <a16:creationId xmlns:a16="http://schemas.microsoft.com/office/drawing/2014/main" id="{61666724-7320-4902-BA98-39552A699C77}"/>
               </a:ext>
             </a:extLst>
           </p:cNvPr>
@@ -5310,7 +5272,7 @@
           <p:cNvPr id="3" name="Imagem 2">
             <a:extLst>
               <a:ext uri="{FF2B5EF4-FFF2-40B4-BE49-F238E27FC236}">
-                <a16:creationId xmlns="" xmlns:a16="http://schemas.microsoft.com/office/drawing/2014/main" id="{95CEEB0F-858B-4907-9869-AC7EA81F02D4}"/>
+                <a16:creationId xmlns:a16="http://schemas.microsoft.com/office/drawing/2014/main" id="{95CEEB0F-858B-4907-9869-AC7EA81F02D4}"/>
               </a:ext>
             </a:extLst>
           </p:cNvPr>
